--- a/발표자료/20240707/20240707_Oracle_Database_Overview.pptx
+++ b/발표자료/20240707/20240707_Oracle_Database_Overview.pptx
@@ -261,7 +261,7 @@
                 <a:latin typeface="+mj-ea"/>
                 <a:ea typeface="+mj-ea"/>
               </a:rPr>
-              <a:t>2024-07-04</a:t>
+              <a:t>2024-07-07</a:t>
             </a:fld>
             <a:endParaRPr lang="ko-KR" altLang="en-US" dirty="0">
               <a:latin typeface="+mj-ea"/>
@@ -459,7 +459,7 @@
             <a:fld id="{6B577933-6CF4-4A80-8F7D-D574BAC42BBA}" type="datetime1">
               <a:rPr lang="ko-KR" altLang="en-US" smtClean="0"/>
               <a:pPr/>
-              <a:t>2024-07-04</a:t>
+              <a:t>2024-07-06</a:t>
             </a:fld>
             <a:endParaRPr lang="ko-KR" altLang="en-US" dirty="0"/>
           </a:p>
@@ -21183,7 +21183,7 @@
         </p:nvSpPr>
         <p:spPr>
           <a:xfrm>
-            <a:off x="1333499" y="1273835"/>
+            <a:off x="1333499" y="838407"/>
             <a:ext cx="3171825" cy="1325563"/>
           </a:xfrm>
         </p:spPr>
@@ -21220,8 +21220,8 @@
         </p:nvSpPr>
         <p:spPr>
           <a:xfrm>
-            <a:off x="1333499" y="3177566"/>
-            <a:ext cx="3171825" cy="2165618"/>
+            <a:off x="1333499" y="2742137"/>
+            <a:ext cx="3171825" cy="2541063"/>
           </a:xfrm>
         </p:spPr>
         <p:txBody>
@@ -21260,32 +21260,57 @@
             <a:pPr rtl="0"/>
             <a:r>
               <a:rPr lang="en-US" altLang="ko-KR" dirty="0"/>
-              <a:t> </a:t>
+              <a:t>1. </a:t>
             </a:r>
             <a:r>
               <a:rPr lang="ko-KR" altLang="en-US" dirty="0"/>
-              <a:t>전체적인 구조</a:t>
-            </a:r>
+              <a:t>구성요소를 나열할 수 있음</a:t>
+            </a:r>
+            <a:endParaRPr lang="en-US" altLang="ko-KR" dirty="0"/>
+          </a:p>
+          <a:p>
+            <a:pPr rtl="0"/>
             <a:r>
               <a:rPr lang="en-US" altLang="ko-KR" dirty="0"/>
-              <a:t>, </a:t>
+              <a:t>2. </a:t>
             </a:r>
             <a:r>
               <a:rPr lang="ko-KR" altLang="en-US" dirty="0"/>
-              <a:t>주요 구성요소의 개념</a:t>
-            </a:r>
+              <a:t>메모리 구조에 대해 설명 가능</a:t>
+            </a:r>
+            <a:endParaRPr lang="en-US" altLang="ko-KR" dirty="0"/>
+          </a:p>
+          <a:p>
+            <a:pPr rtl="0"/>
             <a:r>
               <a:rPr lang="en-US" altLang="ko-KR" dirty="0"/>
-              <a:t>, ASM</a:t>
+              <a:t>3. </a:t>
             </a:r>
             <a:r>
               <a:rPr lang="ko-KR" altLang="en-US" dirty="0"/>
-              <a:t>에 대해 알 수 있습니다</a:t>
-            </a:r>
+              <a:t>인스턴스 구성과 </a:t>
+            </a:r>
+            <a:r>
+              <a:rPr lang="ko-KR" altLang="en-US" dirty="0" err="1"/>
+              <a:t>테넌시의</a:t>
+            </a:r>
+            <a:r>
+              <a:rPr lang="ko-KR" altLang="en-US" dirty="0"/>
+              <a:t> 차이를 설명할 수 있음</a:t>
+            </a:r>
+            <a:endParaRPr lang="en-US" altLang="ko-KR" dirty="0"/>
+          </a:p>
+          <a:p>
+            <a:pPr rtl="0"/>
             <a:r>
               <a:rPr lang="en-US" altLang="ko-KR" dirty="0"/>
-              <a:t>.</a:t>
-            </a:r>
+              <a:t>4.ASM </a:t>
+            </a:r>
+            <a:r>
+              <a:rPr lang="ko-KR" altLang="en-US" dirty="0"/>
+              <a:t>기능에 대해 설명 할 수 있음</a:t>
+            </a:r>
+            <a:endParaRPr lang="en-US" altLang="ko-KR" dirty="0"/>
           </a:p>
         </p:txBody>
       </p:sp>
@@ -27807,15 +27832,6 @@
 </file>
 
 <file path=customXml/item1.xml><?xml version="1.0" encoding="utf-8"?>
-<?mso-contentType ?>
-<FormTemplates xmlns="http://schemas.microsoft.com/sharepoint/v3/contenttype/forms">
-  <Display>DocumentLibraryForm</Display>
-  <Edit>DocumentLibraryForm</Edit>
-  <New>DocumentLibraryForm</New>
-</FormTemplates>
-</file>
-
-<file path=customXml/item2.xml><?xml version="1.0" encoding="utf-8"?>
 <ct:contentTypeSchema xmlns:ct="http://schemas.microsoft.com/office/2006/metadata/contentType" xmlns:ma="http://schemas.microsoft.com/office/2006/metadata/properties/metaAttributes" ct:_="" ma:_="" ma:contentTypeName="Document" ma:contentTypeID="0x01010079F111ED35F8CC479449609E8A0923A6" ma:contentTypeVersion="20" ma:contentTypeDescription="Create a new document." ma:contentTypeScope="" ma:versionID="1267097ee5f5874adfcc408041ae252e">
   <xsd:schema xmlns:xsd="http://www.w3.org/2001/XMLSchema" xmlns:xs="http://www.w3.org/2001/XMLSchema" xmlns:p="http://schemas.microsoft.com/office/2006/metadata/properties" xmlns:ns1="http://schemas.microsoft.com/sharepoint/v3" xmlns:ns2="71af3243-3dd4-4a8d-8c0d-dd76da1f02a5" xmlns:ns3="16c05727-aa75-4e4a-9b5f-8a80a1165891" xmlns:ns4="230e9df3-be65-4c73-a93b-d1236ebd677e" targetNamespace="http://schemas.microsoft.com/office/2006/metadata/properties" ma:root="true" ma:fieldsID="395891a93df65b14727750f2c06c306c" ns1:_="" ns2:_="" ns3:_="" ns4:_="">
     <xsd:import namespace="http://schemas.microsoft.com/sharepoint/v3"/>
@@ -28091,6 +28107,15 @@
 </ct:contentTypeSchema>
 </file>
 
+<file path=customXml/item2.xml><?xml version="1.0" encoding="utf-8"?>
+<?mso-contentType ?>
+<FormTemplates xmlns="http://schemas.microsoft.com/sharepoint/v3/contenttype/forms">
+  <Display>DocumentLibraryForm</Display>
+  <Edit>DocumentLibraryForm</Edit>
+  <New>DocumentLibraryForm</New>
+</FormTemplates>
+</file>
+
 <file path=customXml/item3.xml><?xml version="1.0" encoding="utf-8"?>
 <p:properties xmlns:p="http://schemas.microsoft.com/office/2006/metadata/properties" xmlns:xsi="http://www.w3.org/2001/XMLSchema-instance" xmlns:pc="http://schemas.microsoft.com/office/infopath/2007/PartnerControls">
   <documentManagement>
@@ -28111,14 +28136,6 @@
 </file>
 
 <file path=customXml/itemProps1.xml><?xml version="1.0" encoding="utf-8"?>
-<ds:datastoreItem xmlns:ds="http://schemas.openxmlformats.org/officeDocument/2006/customXml" ds:itemID="{42BC90D6-94CF-42F7-AAC4-9CF6824C54D5}">
-  <ds:schemaRefs>
-    <ds:schemaRef ds:uri="http://schemas.microsoft.com/sharepoint/v3/contenttype/forms"/>
-  </ds:schemaRefs>
-</ds:datastoreItem>
-</file>
-
-<file path=customXml/itemProps2.xml><?xml version="1.0" encoding="utf-8"?>
 <ds:datastoreItem xmlns:ds="http://schemas.openxmlformats.org/officeDocument/2006/customXml" ds:itemID="{64CF2EF3-001F-4BE9-81B3-86ECBBF9425F}">
   <ds:schemaRefs>
     <ds:schemaRef ds:uri="http://schemas.microsoft.com/office/2006/metadata/contentType"/>
@@ -28135,6 +28152,14 @@
     <ds:schemaRef ds:uri="http://purl.org/dc/elements/1.1/"/>
     <ds:schemaRef ds:uri="http://purl.org/dc/terms/"/>
     <ds:schemaRef ds:uri="http://schemas.microsoft.com/internal/obd"/>
+  </ds:schemaRefs>
+</ds:datastoreItem>
+</file>
+
+<file path=customXml/itemProps2.xml><?xml version="1.0" encoding="utf-8"?>
+<ds:datastoreItem xmlns:ds="http://schemas.openxmlformats.org/officeDocument/2006/customXml" ds:itemID="{42BC90D6-94CF-42F7-AAC4-9CF6824C54D5}">
+  <ds:schemaRefs>
+    <ds:schemaRef ds:uri="http://schemas.microsoft.com/sharepoint/v3/contenttype/forms"/>
   </ds:schemaRefs>
 </ds:datastoreItem>
 </file>

--- a/발표자료/20240707/20240707_Oracle_Database_Overview.pptx
+++ b/발표자료/20240707/20240707_Oracle_Database_Overview.pptx
@@ -459,7 +459,7 @@
             <a:fld id="{6B577933-6CF4-4A80-8F7D-D574BAC42BBA}" type="datetime1">
               <a:rPr lang="ko-KR" altLang="en-US" smtClean="0"/>
               <a:pPr/>
-              <a:t>2024-07-06</a:t>
+              <a:t>2024-07-07</a:t>
             </a:fld>
             <a:endParaRPr lang="ko-KR" altLang="en-US" dirty="0"/>
           </a:p>
@@ -1910,7 +1910,1031 @@
           <a:bodyPr/>
           <a:lstStyle/>
           <a:p>
-            <a:endParaRPr lang="ko-KR" altLang="en-US" noProof="0" dirty="0"/>
+            <a:r>
+              <a:rPr lang="en-US" altLang="ko-KR" noProof="0" dirty="0"/>
+              <a:t>DB </a:t>
+            </a:r>
+            <a:r>
+              <a:rPr lang="ko-KR" altLang="en-US" noProof="0" dirty="0"/>
+              <a:t>버퍼 캐시</a:t>
+            </a:r>
+            <a:r>
+              <a:rPr lang="en-US" altLang="ko-KR" noProof="0" dirty="0"/>
+              <a:t>: </a:t>
+            </a:r>
+            <a:r>
+              <a:rPr lang="ko-KR" altLang="en-US" noProof="0" dirty="0"/>
+              <a:t>데이터 파일에서 읽어온 데이터 블록의 사본 보유</a:t>
+            </a:r>
+            <a:endParaRPr lang="en-US" altLang="ko-KR" noProof="0" dirty="0"/>
+          </a:p>
+          <a:p>
+            <a:r>
+              <a:rPr lang="ko-KR" altLang="en-US" noProof="0" dirty="0"/>
+              <a:t>공유 </a:t>
+            </a:r>
+            <a:r>
+              <a:rPr lang="en-US" altLang="ko-KR" noProof="0" dirty="0"/>
+              <a:t>pool: </a:t>
+            </a:r>
+            <a:r>
+              <a:rPr lang="ko-KR" altLang="en-US" noProof="0" dirty="0"/>
+              <a:t>해석된 </a:t>
+            </a:r>
+            <a:r>
+              <a:rPr lang="en-US" altLang="ko-KR" noProof="0" dirty="0"/>
+              <a:t>SQL, </a:t>
+            </a:r>
+            <a:r>
+              <a:rPr lang="en-US" altLang="ko-KR" noProof="0" dirty="0" err="1"/>
+              <a:t>plsql</a:t>
+            </a:r>
+            <a:r>
+              <a:rPr lang="en-US" altLang="ko-KR" noProof="0" dirty="0"/>
+              <a:t> </a:t>
+            </a:r>
+            <a:r>
+              <a:rPr lang="ko-KR" altLang="en-US" noProof="0" dirty="0"/>
+              <a:t>프로그램</a:t>
+            </a:r>
+            <a:r>
+              <a:rPr lang="en-US" altLang="ko-KR" noProof="0" dirty="0"/>
+              <a:t>, </a:t>
+            </a:r>
+            <a:r>
+              <a:rPr lang="ko-KR" altLang="en-US" noProof="0" dirty="0"/>
+              <a:t>데이터 사전</a:t>
+            </a:r>
+            <a:r>
+              <a:rPr lang="en-US" altLang="ko-KR" noProof="0" dirty="0"/>
+              <a:t> </a:t>
+            </a:r>
+            <a:r>
+              <a:rPr lang="ko-KR" altLang="en-US" noProof="0" dirty="0"/>
+              <a:t>등 보유</a:t>
+            </a:r>
+            <a:endParaRPr lang="en-US" altLang="ko-KR" noProof="0" dirty="0"/>
+          </a:p>
+          <a:p>
+            <a:r>
+              <a:rPr lang="en-US" altLang="ko-KR" noProof="0" dirty="0"/>
+              <a:t>REDO</a:t>
+            </a:r>
+            <a:r>
+              <a:rPr lang="ko-KR" altLang="en-US" noProof="0" dirty="0"/>
+              <a:t> 로그 버퍼</a:t>
+            </a:r>
+            <a:r>
+              <a:rPr lang="en-US" altLang="ko-KR" noProof="0" dirty="0"/>
+              <a:t>: DML, DDL </a:t>
+            </a:r>
+            <a:r>
+              <a:rPr lang="ko-KR" altLang="en-US" noProof="0" dirty="0"/>
+              <a:t>등으로 변경된 사항을 재실행 할 수 있도록 정보 보유</a:t>
+            </a:r>
+            <a:endParaRPr lang="en-US" altLang="ko-KR" noProof="0" dirty="0"/>
+          </a:p>
+          <a:p>
+            <a:r>
+              <a:rPr lang="ko-KR" altLang="en-US" noProof="0" dirty="0" err="1"/>
+              <a:t>라지</a:t>
+            </a:r>
+            <a:r>
+              <a:rPr lang="ko-KR" altLang="en-US" noProof="0" dirty="0"/>
+              <a:t> 풀</a:t>
+            </a:r>
+            <a:r>
+              <a:rPr lang="en-US" altLang="ko-KR" noProof="0" dirty="0"/>
+              <a:t>: RMAN </a:t>
+            </a:r>
+            <a:r>
+              <a:rPr lang="ko-KR" altLang="en-US" noProof="0" dirty="0"/>
+              <a:t>백업</a:t>
+            </a:r>
+            <a:r>
+              <a:rPr lang="en-US" altLang="ko-KR" noProof="0" dirty="0"/>
+              <a:t>, I/O</a:t>
+            </a:r>
+            <a:r>
+              <a:rPr lang="ko-KR" altLang="en-US" noProof="0" dirty="0"/>
+              <a:t>서버프로세스</a:t>
+            </a:r>
+            <a:r>
+              <a:rPr lang="en-US" altLang="ko-KR" noProof="0" dirty="0"/>
+              <a:t>, </a:t>
+            </a:r>
+            <a:r>
+              <a:rPr lang="ko-KR" altLang="en-US" noProof="0" dirty="0" err="1"/>
+              <a:t>병렬쿼리</a:t>
+            </a:r>
+            <a:r>
+              <a:rPr lang="ko-KR" altLang="en-US" noProof="0" dirty="0"/>
+              <a:t> 등 </a:t>
+            </a:r>
+            <a:r>
+              <a:rPr lang="en-US" altLang="ko-KR" noProof="0" dirty="0"/>
+              <a:t>SGA </a:t>
+            </a:r>
+            <a:r>
+              <a:rPr lang="ko-KR" altLang="en-US" noProof="0" dirty="0"/>
+              <a:t>내부적인 작업에 필요할 때 이용되는 메모리 영역</a:t>
+            </a:r>
+            <a:endParaRPr lang="en-US" altLang="ko-KR" noProof="0" dirty="0"/>
+          </a:p>
+          <a:p>
+            <a:r>
+              <a:rPr lang="ko-KR" altLang="en-US" noProof="0" dirty="0"/>
+              <a:t>자바 풀</a:t>
+            </a:r>
+            <a:r>
+              <a:rPr lang="en-US" altLang="ko-KR" noProof="0" dirty="0"/>
+              <a:t>: JVM</a:t>
+            </a:r>
+            <a:r>
+              <a:rPr lang="ko-KR" altLang="en-US" noProof="0" dirty="0"/>
+              <a:t>의 모든 세션</a:t>
+            </a:r>
+            <a:r>
+              <a:rPr lang="en-US" altLang="ko-KR" noProof="0" dirty="0"/>
+              <a:t>, </a:t>
+            </a:r>
+            <a:r>
+              <a:rPr lang="ko-KR" altLang="en-US" noProof="0" dirty="0"/>
+              <a:t>자바 코드</a:t>
+            </a:r>
+            <a:r>
+              <a:rPr lang="en-US" altLang="ko-KR" noProof="0" dirty="0"/>
+              <a:t>, </a:t>
+            </a:r>
+            <a:r>
+              <a:rPr lang="ko-KR" altLang="en-US" noProof="0" dirty="0"/>
+              <a:t>자바 데이터 이용을 위한 영역</a:t>
+            </a:r>
+            <a:endParaRPr lang="en-US" altLang="ko-KR" noProof="0" dirty="0"/>
+          </a:p>
+          <a:p>
+            <a:r>
+              <a:rPr lang="ko-KR" altLang="en-US" noProof="0" dirty="0"/>
+              <a:t>스트림 풀</a:t>
+            </a:r>
+            <a:r>
+              <a:rPr lang="en-US" altLang="ko-KR" noProof="0" dirty="0"/>
+              <a:t>: </a:t>
+            </a:r>
+            <a:r>
+              <a:rPr lang="ko-KR" altLang="en-US" noProof="0" dirty="0"/>
+              <a:t>데이터 </a:t>
+            </a:r>
+            <a:r>
+              <a:rPr lang="en-US" altLang="ko-KR" noProof="0" dirty="0"/>
+              <a:t>pump, </a:t>
+            </a:r>
+            <a:r>
+              <a:rPr lang="en-US" altLang="ko-KR" noProof="0" dirty="0" err="1"/>
+              <a:t>GoldenGate</a:t>
+            </a:r>
+            <a:r>
+              <a:rPr lang="en-US" altLang="ko-KR" noProof="0" dirty="0"/>
+              <a:t> </a:t>
+            </a:r>
+            <a:r>
+              <a:rPr lang="ko-KR" altLang="en-US" noProof="0" dirty="0"/>
+              <a:t>등 데이터 동기화 시에 사용됨</a:t>
+            </a:r>
+            <a:endParaRPr lang="en-US" altLang="ko-KR" noProof="0" dirty="0"/>
+          </a:p>
+          <a:p>
+            <a:endParaRPr lang="en-US" altLang="ko-KR" noProof="0" dirty="0"/>
+          </a:p>
+          <a:p>
+            <a:r>
+              <a:rPr lang="en-US" altLang="ko-KR" sz="1200" dirty="0">
+                <a:solidFill>
+                  <a:schemeClr val="tx1">
+                    <a:lumMod val="50000"/>
+                    <a:lumOff val="50000"/>
+                  </a:schemeClr>
+                </a:solidFill>
+                <a:latin typeface="맑은 고딕" panose="020B0503020000020004" pitchFamily="50" charset="-127"/>
+                <a:ea typeface="맑은 고딕" panose="020B0503020000020004" pitchFamily="50" charset="-127"/>
+              </a:rPr>
+              <a:t>CKPT: </a:t>
+            </a:r>
+            <a:r>
+              <a:rPr lang="ko-KR" altLang="en-US" sz="1200" dirty="0">
+                <a:solidFill>
+                  <a:schemeClr val="tx1">
+                    <a:lumMod val="50000"/>
+                    <a:lumOff val="50000"/>
+                  </a:schemeClr>
+                </a:solidFill>
+                <a:latin typeface="맑은 고딕" panose="020B0503020000020004" pitchFamily="50" charset="-127"/>
+                <a:ea typeface="맑은 고딕" panose="020B0503020000020004" pitchFamily="50" charset="-127"/>
+              </a:rPr>
+              <a:t>체크포인트 이벤트 발생시</a:t>
+            </a:r>
+            <a:r>
+              <a:rPr lang="en-US" altLang="ko-KR" sz="1200" dirty="0">
+                <a:solidFill>
+                  <a:schemeClr val="tx1">
+                    <a:lumMod val="50000"/>
+                    <a:lumOff val="50000"/>
+                  </a:schemeClr>
+                </a:solidFill>
+                <a:latin typeface="맑은 고딕" panose="020B0503020000020004" pitchFamily="50" charset="-127"/>
+                <a:ea typeface="맑은 고딕" panose="020B0503020000020004" pitchFamily="50" charset="-127"/>
+              </a:rPr>
+              <a:t>, </a:t>
+            </a:r>
+            <a:r>
+              <a:rPr lang="ko-KR" altLang="en-US" sz="1200" dirty="0">
+                <a:solidFill>
+                  <a:schemeClr val="tx1">
+                    <a:lumMod val="50000"/>
+                    <a:lumOff val="50000"/>
+                  </a:schemeClr>
+                </a:solidFill>
+                <a:latin typeface="맑은 고딕" panose="020B0503020000020004" pitchFamily="50" charset="-127"/>
+                <a:ea typeface="맑은 고딕" panose="020B0503020000020004" pitchFamily="50" charset="-127"/>
+              </a:rPr>
+              <a:t>데이터 파일의 헤더와 제어 파일에 기록하는 작업</a:t>
+            </a:r>
+            <a:endParaRPr lang="en-US" altLang="ko-KR" sz="1200" dirty="0">
+              <a:solidFill>
+                <a:schemeClr val="tx1">
+                  <a:lumMod val="50000"/>
+                  <a:lumOff val="50000"/>
+                </a:schemeClr>
+              </a:solidFill>
+              <a:latin typeface="맑은 고딕" panose="020B0503020000020004" pitchFamily="50" charset="-127"/>
+              <a:ea typeface="맑은 고딕" panose="020B0503020000020004" pitchFamily="50" charset="-127"/>
+            </a:endParaRPr>
+          </a:p>
+          <a:p>
+            <a:r>
+              <a:rPr lang="en-US" altLang="ko-KR" sz="1200" dirty="0">
+                <a:solidFill>
+                  <a:schemeClr val="tx1">
+                    <a:lumMod val="50000"/>
+                    <a:lumOff val="50000"/>
+                  </a:schemeClr>
+                </a:solidFill>
+                <a:latin typeface="맑은 고딕" panose="020B0503020000020004" pitchFamily="50" charset="-127"/>
+                <a:ea typeface="맑은 고딕" panose="020B0503020000020004" pitchFamily="50" charset="-127"/>
+              </a:rPr>
+              <a:t>PMON: </a:t>
+            </a:r>
+            <a:r>
+              <a:rPr lang="ko-KR" altLang="en-US" sz="1200" dirty="0">
+                <a:solidFill>
+                  <a:schemeClr val="tx1">
+                    <a:lumMod val="50000"/>
+                    <a:lumOff val="50000"/>
+                  </a:schemeClr>
+                </a:solidFill>
+                <a:latin typeface="맑은 고딕" panose="020B0503020000020004" pitchFamily="50" charset="-127"/>
+                <a:ea typeface="맑은 고딕" panose="020B0503020000020004" pitchFamily="50" charset="-127"/>
+              </a:rPr>
+              <a:t>프로세스 모니터</a:t>
+            </a:r>
+            <a:r>
+              <a:rPr lang="en-US" altLang="ko-KR" sz="1200" dirty="0">
+                <a:solidFill>
+                  <a:schemeClr val="tx1">
+                    <a:lumMod val="50000"/>
+                    <a:lumOff val="50000"/>
+                  </a:schemeClr>
+                </a:solidFill>
+                <a:latin typeface="맑은 고딕" panose="020B0503020000020004" pitchFamily="50" charset="-127"/>
+                <a:ea typeface="맑은 고딕" panose="020B0503020000020004" pitchFamily="50" charset="-127"/>
+              </a:rPr>
+              <a:t>, </a:t>
+            </a:r>
+            <a:r>
+              <a:rPr lang="ko-KR" altLang="en-US" sz="1200" dirty="0">
+                <a:solidFill>
+                  <a:schemeClr val="tx1">
+                    <a:lumMod val="50000"/>
+                    <a:lumOff val="50000"/>
+                  </a:schemeClr>
+                </a:solidFill>
+                <a:latin typeface="맑은 고딕" panose="020B0503020000020004" pitchFamily="50" charset="-127"/>
+                <a:ea typeface="맑은 고딕" panose="020B0503020000020004" pitchFamily="50" charset="-127"/>
+              </a:rPr>
+              <a:t>서버 프로세스 </a:t>
+            </a:r>
+            <a:r>
+              <a:rPr lang="ko-KR" altLang="en-US" sz="1200" dirty="0" err="1">
+                <a:solidFill>
+                  <a:schemeClr val="tx1">
+                    <a:lumMod val="50000"/>
+                    <a:lumOff val="50000"/>
+                  </a:schemeClr>
+                </a:solidFill>
+                <a:latin typeface="맑은 고딕" panose="020B0503020000020004" pitchFamily="50" charset="-127"/>
+                <a:ea typeface="맑은 고딕" panose="020B0503020000020004" pitchFamily="50" charset="-127"/>
+              </a:rPr>
+              <a:t>중지시</a:t>
+            </a:r>
+            <a:r>
+              <a:rPr lang="ko-KR" altLang="en-US" sz="1200" dirty="0">
+                <a:solidFill>
+                  <a:schemeClr val="tx1">
+                    <a:lumMod val="50000"/>
+                    <a:lumOff val="50000"/>
+                  </a:schemeClr>
+                </a:solidFill>
+                <a:latin typeface="맑은 고딕" panose="020B0503020000020004" pitchFamily="50" charset="-127"/>
+                <a:ea typeface="맑은 고딕" panose="020B0503020000020004" pitchFamily="50" charset="-127"/>
+              </a:rPr>
+              <a:t> </a:t>
+            </a:r>
+            <a:r>
+              <a:rPr lang="ko-KR" altLang="en-US" sz="1200" dirty="0" err="1">
+                <a:solidFill>
+                  <a:schemeClr val="tx1">
+                    <a:lumMod val="50000"/>
+                    <a:lumOff val="50000"/>
+                  </a:schemeClr>
+                </a:solidFill>
+                <a:latin typeface="맑은 고딕" panose="020B0503020000020004" pitchFamily="50" charset="-127"/>
+                <a:ea typeface="맑은 고딕" panose="020B0503020000020004" pitchFamily="50" charset="-127"/>
+              </a:rPr>
+              <a:t>재기동</a:t>
+            </a:r>
+            <a:r>
+              <a:rPr lang="en-US" altLang="ko-KR" sz="1200" dirty="0">
+                <a:solidFill>
+                  <a:schemeClr val="tx1">
+                    <a:lumMod val="50000"/>
+                    <a:lumOff val="50000"/>
+                  </a:schemeClr>
+                </a:solidFill>
+                <a:latin typeface="맑은 고딕" panose="020B0503020000020004" pitchFamily="50" charset="-127"/>
+                <a:ea typeface="맑은 고딕" panose="020B0503020000020004" pitchFamily="50" charset="-127"/>
+              </a:rPr>
+              <a:t>, </a:t>
+            </a:r>
+            <a:r>
+              <a:rPr lang="ko-KR" altLang="en-US" sz="1200" dirty="0">
+                <a:solidFill>
+                  <a:schemeClr val="tx1">
+                    <a:lumMod val="50000"/>
+                    <a:lumOff val="50000"/>
+                  </a:schemeClr>
+                </a:solidFill>
+                <a:latin typeface="맑은 고딕" panose="020B0503020000020004" pitchFamily="50" charset="-127"/>
+                <a:ea typeface="맑은 고딕" panose="020B0503020000020004" pitchFamily="50" charset="-127"/>
+              </a:rPr>
+              <a:t>서버 프로세스의 리소스 해지</a:t>
+            </a:r>
+            <a:r>
+              <a:rPr lang="en-US" altLang="ko-KR" sz="1200" dirty="0">
+                <a:solidFill>
+                  <a:schemeClr val="tx1">
+                    <a:lumMod val="50000"/>
+                    <a:lumOff val="50000"/>
+                  </a:schemeClr>
+                </a:solidFill>
+                <a:latin typeface="맑은 고딕" panose="020B0503020000020004" pitchFamily="50" charset="-127"/>
+                <a:ea typeface="맑은 고딕" panose="020B0503020000020004" pitchFamily="50" charset="-127"/>
+              </a:rPr>
+              <a:t>, </a:t>
+            </a:r>
+          </a:p>
+          <a:p>
+            <a:r>
+              <a:rPr lang="en-US" altLang="ko-KR" sz="1200" dirty="0">
+                <a:solidFill>
+                  <a:schemeClr val="tx1">
+                    <a:lumMod val="50000"/>
+                    <a:lumOff val="50000"/>
+                  </a:schemeClr>
+                </a:solidFill>
+                <a:latin typeface="맑은 고딕" panose="020B0503020000020004" pitchFamily="50" charset="-127"/>
+                <a:ea typeface="맑은 고딕" panose="020B0503020000020004" pitchFamily="50" charset="-127"/>
+              </a:rPr>
+              <a:t>          </a:t>
+            </a:r>
+            <a:r>
+              <a:rPr lang="ko-KR" altLang="en-US" sz="1200" dirty="0">
+                <a:solidFill>
+                  <a:schemeClr val="tx1">
+                    <a:lumMod val="50000"/>
+                    <a:lumOff val="50000"/>
+                  </a:schemeClr>
+                </a:solidFill>
+                <a:latin typeface="맑은 고딕" panose="020B0503020000020004" pitchFamily="50" charset="-127"/>
+                <a:ea typeface="맑은 고딕" panose="020B0503020000020004" pitchFamily="50" charset="-127"/>
+              </a:rPr>
+              <a:t>유저 프로세스 이상종료시 </a:t>
+            </a:r>
+            <a:r>
+              <a:rPr lang="en-US" altLang="ko-KR" sz="1200" dirty="0">
+                <a:solidFill>
+                  <a:schemeClr val="tx1">
+                    <a:lumMod val="50000"/>
+                    <a:lumOff val="50000"/>
+                  </a:schemeClr>
+                </a:solidFill>
+                <a:latin typeface="맑은 고딕" panose="020B0503020000020004" pitchFamily="50" charset="-127"/>
+                <a:ea typeface="맑은 고딕" panose="020B0503020000020004" pitchFamily="50" charset="-127"/>
+              </a:rPr>
+              <a:t>DB</a:t>
+            </a:r>
+            <a:r>
+              <a:rPr lang="ko-KR" altLang="en-US" sz="1200" dirty="0" err="1">
+                <a:solidFill>
+                  <a:schemeClr val="tx1">
+                    <a:lumMod val="50000"/>
+                    <a:lumOff val="50000"/>
+                  </a:schemeClr>
+                </a:solidFill>
+                <a:latin typeface="맑은 고딕" panose="020B0503020000020004" pitchFamily="50" charset="-127"/>
+                <a:ea typeface="맑은 고딕" panose="020B0503020000020004" pitchFamily="50" charset="-127"/>
+              </a:rPr>
+              <a:t>버퍼캐시</a:t>
+            </a:r>
+            <a:r>
+              <a:rPr lang="ko-KR" altLang="en-US" sz="1200" dirty="0">
+                <a:solidFill>
+                  <a:schemeClr val="tx1">
+                    <a:lumMod val="50000"/>
+                    <a:lumOff val="50000"/>
+                  </a:schemeClr>
+                </a:solidFill>
+                <a:latin typeface="맑은 고딕" panose="020B0503020000020004" pitchFamily="50" charset="-127"/>
+                <a:ea typeface="맑은 고딕" panose="020B0503020000020004" pitchFamily="50" charset="-127"/>
+              </a:rPr>
+              <a:t> 클린업</a:t>
+            </a:r>
+            <a:endParaRPr lang="en-US" altLang="ko-KR" sz="1200" dirty="0">
+              <a:solidFill>
+                <a:schemeClr val="tx1">
+                  <a:lumMod val="50000"/>
+                  <a:lumOff val="50000"/>
+                </a:schemeClr>
+              </a:solidFill>
+              <a:latin typeface="맑은 고딕" panose="020B0503020000020004" pitchFamily="50" charset="-127"/>
+              <a:ea typeface="맑은 고딕" panose="020B0503020000020004" pitchFamily="50" charset="-127"/>
+            </a:endParaRPr>
+          </a:p>
+          <a:p>
+            <a:r>
+              <a:rPr lang="en-US" altLang="ko-KR" sz="1200" dirty="0">
+                <a:solidFill>
+                  <a:schemeClr val="tx1">
+                    <a:lumMod val="50000"/>
+                    <a:lumOff val="50000"/>
+                  </a:schemeClr>
+                </a:solidFill>
+                <a:latin typeface="맑은 고딕" panose="020B0503020000020004" pitchFamily="50" charset="-127"/>
+                <a:ea typeface="맑은 고딕" panose="020B0503020000020004" pitchFamily="50" charset="-127"/>
+              </a:rPr>
+              <a:t>SMON: </a:t>
+            </a:r>
+            <a:r>
+              <a:rPr lang="ko-KR" altLang="en-US" sz="1200" dirty="0">
+                <a:solidFill>
+                  <a:schemeClr val="tx1">
+                    <a:lumMod val="50000"/>
+                    <a:lumOff val="50000"/>
+                  </a:schemeClr>
+                </a:solidFill>
+                <a:latin typeface="맑은 고딕" panose="020B0503020000020004" pitchFamily="50" charset="-127"/>
+                <a:ea typeface="맑은 고딕" panose="020B0503020000020004" pitchFamily="50" charset="-127"/>
+              </a:rPr>
+              <a:t>시스템 모니터</a:t>
+            </a:r>
+            <a:r>
+              <a:rPr lang="en-US" altLang="ko-KR" sz="1200" dirty="0">
+                <a:solidFill>
+                  <a:schemeClr val="tx1">
+                    <a:lumMod val="50000"/>
+                    <a:lumOff val="50000"/>
+                  </a:schemeClr>
+                </a:solidFill>
+                <a:latin typeface="맑은 고딕" panose="020B0503020000020004" pitchFamily="50" charset="-127"/>
+                <a:ea typeface="맑은 고딕" panose="020B0503020000020004" pitchFamily="50" charset="-127"/>
+              </a:rPr>
+              <a:t>, </a:t>
+            </a:r>
+            <a:r>
+              <a:rPr lang="ko-KR" altLang="en-US" sz="1200" dirty="0">
+                <a:solidFill>
+                  <a:schemeClr val="tx1">
+                    <a:lumMod val="50000"/>
+                    <a:lumOff val="50000"/>
+                  </a:schemeClr>
+                </a:solidFill>
+                <a:latin typeface="맑은 고딕" panose="020B0503020000020004" pitchFamily="50" charset="-127"/>
+                <a:ea typeface="맑은 고딕" panose="020B0503020000020004" pitchFamily="50" charset="-127"/>
+              </a:rPr>
+              <a:t>사용 않는 세그먼트 클린업</a:t>
+            </a:r>
+            <a:r>
+              <a:rPr lang="en-US" altLang="ko-KR" sz="1200" dirty="0">
+                <a:solidFill>
+                  <a:schemeClr val="tx1">
+                    <a:lumMod val="50000"/>
+                    <a:lumOff val="50000"/>
+                  </a:schemeClr>
+                </a:solidFill>
+                <a:latin typeface="맑은 고딕" panose="020B0503020000020004" pitchFamily="50" charset="-127"/>
+                <a:ea typeface="맑은 고딕" panose="020B0503020000020004" pitchFamily="50" charset="-127"/>
+              </a:rPr>
+              <a:t>, </a:t>
+            </a:r>
+            <a:r>
+              <a:rPr lang="ko-KR" altLang="en-US" sz="1200" dirty="0">
+                <a:solidFill>
+                  <a:schemeClr val="tx1">
+                    <a:lumMod val="50000"/>
+                    <a:lumOff val="50000"/>
+                  </a:schemeClr>
+                </a:solidFill>
+                <a:latin typeface="맑은 고딕" panose="020B0503020000020004" pitchFamily="50" charset="-127"/>
+                <a:ea typeface="맑은 고딕" panose="020B0503020000020004" pitchFamily="50" charset="-127"/>
+              </a:rPr>
+              <a:t>사용 가능 </a:t>
+            </a:r>
+            <a:r>
+              <a:rPr lang="ko-KR" altLang="en-US" sz="1200" dirty="0" err="1">
+                <a:solidFill>
+                  <a:schemeClr val="tx1">
+                    <a:lumMod val="50000"/>
+                    <a:lumOff val="50000"/>
+                  </a:schemeClr>
+                </a:solidFill>
+                <a:latin typeface="맑은 고딕" panose="020B0503020000020004" pitchFamily="50" charset="-127"/>
+                <a:ea typeface="맑은 고딕" panose="020B0503020000020004" pitchFamily="50" charset="-127"/>
+              </a:rPr>
+              <a:t>익스텐트</a:t>
+            </a:r>
+            <a:r>
+              <a:rPr lang="ko-KR" altLang="en-US" sz="1200" dirty="0">
+                <a:solidFill>
+                  <a:schemeClr val="tx1">
+                    <a:lumMod val="50000"/>
+                    <a:lumOff val="50000"/>
+                  </a:schemeClr>
+                </a:solidFill>
+                <a:latin typeface="맑은 고딕" panose="020B0503020000020004" pitchFamily="50" charset="-127"/>
+                <a:ea typeface="맑은 고딕" panose="020B0503020000020004" pitchFamily="50" charset="-127"/>
+              </a:rPr>
+              <a:t> 결합</a:t>
+            </a:r>
+            <a:r>
+              <a:rPr lang="en-US" altLang="ko-KR" sz="1200" dirty="0">
+                <a:solidFill>
+                  <a:schemeClr val="tx1">
+                    <a:lumMod val="50000"/>
+                    <a:lumOff val="50000"/>
+                  </a:schemeClr>
+                </a:solidFill>
+                <a:latin typeface="맑은 고딕" panose="020B0503020000020004" pitchFamily="50" charset="-127"/>
+                <a:ea typeface="맑은 고딕" panose="020B0503020000020004" pitchFamily="50" charset="-127"/>
+              </a:rPr>
+              <a:t>, </a:t>
+            </a:r>
+            <a:r>
+              <a:rPr lang="ko-KR" altLang="en-US" sz="1200" dirty="0">
+                <a:solidFill>
+                  <a:schemeClr val="tx1">
+                    <a:lumMod val="50000"/>
+                    <a:lumOff val="50000"/>
+                  </a:schemeClr>
+                </a:solidFill>
+                <a:latin typeface="맑은 고딕" panose="020B0503020000020004" pitchFamily="50" charset="-127"/>
+                <a:ea typeface="맑은 고딕" panose="020B0503020000020004" pitchFamily="50" charset="-127"/>
+              </a:rPr>
+              <a:t>인스턴스 이상종료시 인스턴스 리커버리</a:t>
+            </a:r>
+            <a:endParaRPr lang="en-US" altLang="ko-KR" sz="1200" dirty="0">
+              <a:solidFill>
+                <a:schemeClr val="tx1">
+                  <a:lumMod val="50000"/>
+                  <a:lumOff val="50000"/>
+                </a:schemeClr>
+              </a:solidFill>
+              <a:latin typeface="맑은 고딕" panose="020B0503020000020004" pitchFamily="50" charset="-127"/>
+              <a:ea typeface="맑은 고딕" panose="020B0503020000020004" pitchFamily="50" charset="-127"/>
+            </a:endParaRPr>
+          </a:p>
+          <a:p>
+            <a:r>
+              <a:rPr lang="en-US" altLang="ko-KR" sz="1200" dirty="0" err="1">
+                <a:solidFill>
+                  <a:schemeClr val="tx1">
+                    <a:lumMod val="50000"/>
+                    <a:lumOff val="50000"/>
+                  </a:schemeClr>
+                </a:solidFill>
+                <a:latin typeface="맑은 고딕" panose="020B0503020000020004" pitchFamily="50" charset="-127"/>
+                <a:ea typeface="맑은 고딕" panose="020B0503020000020004" pitchFamily="50" charset="-127"/>
+              </a:rPr>
+              <a:t>DBWn</a:t>
+            </a:r>
+            <a:r>
+              <a:rPr lang="en-US" altLang="ko-KR" sz="1200" dirty="0">
+                <a:solidFill>
+                  <a:schemeClr val="tx1">
+                    <a:lumMod val="50000"/>
+                    <a:lumOff val="50000"/>
+                  </a:schemeClr>
+                </a:solidFill>
+                <a:latin typeface="맑은 고딕" panose="020B0503020000020004" pitchFamily="50" charset="-127"/>
+                <a:ea typeface="맑은 고딕" panose="020B0503020000020004" pitchFamily="50" charset="-127"/>
+              </a:rPr>
+              <a:t>: DB </a:t>
+            </a:r>
+            <a:r>
+              <a:rPr lang="ko-KR" altLang="en-US" sz="1200" dirty="0">
+                <a:solidFill>
+                  <a:schemeClr val="tx1">
+                    <a:lumMod val="50000"/>
+                    <a:lumOff val="50000"/>
+                  </a:schemeClr>
+                </a:solidFill>
+                <a:latin typeface="맑은 고딕" panose="020B0503020000020004" pitchFamily="50" charset="-127"/>
+                <a:ea typeface="맑은 고딕" panose="020B0503020000020004" pitchFamily="50" charset="-127"/>
+              </a:rPr>
+              <a:t>버퍼 캐시 내용을 데이터 파일에 쓰기</a:t>
+            </a:r>
+            <a:r>
+              <a:rPr lang="en-US" altLang="ko-KR" sz="1200" dirty="0">
+                <a:solidFill>
+                  <a:schemeClr val="tx1">
+                    <a:lumMod val="50000"/>
+                    <a:lumOff val="50000"/>
+                  </a:schemeClr>
+                </a:solidFill>
+                <a:latin typeface="맑은 고딕" panose="020B0503020000020004" pitchFamily="50" charset="-127"/>
+                <a:ea typeface="맑은 고딕" panose="020B0503020000020004" pitchFamily="50" charset="-127"/>
+              </a:rPr>
+              <a:t>, </a:t>
+            </a:r>
+            <a:r>
+              <a:rPr lang="ko-KR" altLang="en-US" sz="1200" dirty="0">
+                <a:solidFill>
+                  <a:schemeClr val="tx1">
+                    <a:lumMod val="50000"/>
+                    <a:lumOff val="50000"/>
+                  </a:schemeClr>
+                </a:solidFill>
+                <a:latin typeface="맑은 고딕" panose="020B0503020000020004" pitchFamily="50" charset="-127"/>
+                <a:ea typeface="맑은 고딕" panose="020B0503020000020004" pitchFamily="50" charset="-127"/>
+              </a:rPr>
+              <a:t>디폴트 </a:t>
+            </a:r>
+            <a:r>
+              <a:rPr lang="en-US" altLang="ko-KR" sz="1200" dirty="0">
+                <a:solidFill>
+                  <a:schemeClr val="tx1">
+                    <a:lumMod val="50000"/>
+                    <a:lumOff val="50000"/>
+                  </a:schemeClr>
+                </a:solidFill>
+                <a:latin typeface="맑은 고딕" panose="020B0503020000020004" pitchFamily="50" charset="-127"/>
+                <a:ea typeface="맑은 고딕" panose="020B0503020000020004" pitchFamily="50" charset="-127"/>
+              </a:rPr>
+              <a:t>1</a:t>
+            </a:r>
+            <a:r>
+              <a:rPr lang="ko-KR" altLang="en-US" sz="1200" dirty="0">
+                <a:solidFill>
+                  <a:schemeClr val="tx1">
+                    <a:lumMod val="50000"/>
+                    <a:lumOff val="50000"/>
+                  </a:schemeClr>
+                </a:solidFill>
+                <a:latin typeface="맑은 고딕" panose="020B0503020000020004" pitchFamily="50" charset="-127"/>
+                <a:ea typeface="맑은 고딕" panose="020B0503020000020004" pitchFamily="50" charset="-127"/>
+              </a:rPr>
+              <a:t>개이나 초기화 파라미터 설정을 통해 </a:t>
+            </a:r>
+            <a:r>
+              <a:rPr lang="en-US" altLang="ko-KR" sz="1200" dirty="0">
+                <a:solidFill>
+                  <a:schemeClr val="tx1">
+                    <a:lumMod val="50000"/>
+                    <a:lumOff val="50000"/>
+                  </a:schemeClr>
+                </a:solidFill>
+                <a:latin typeface="맑은 고딕" panose="020B0503020000020004" pitchFamily="50" charset="-127"/>
+                <a:ea typeface="맑은 고딕" panose="020B0503020000020004" pitchFamily="50" charset="-127"/>
+              </a:rPr>
+              <a:t>n</a:t>
+            </a:r>
+            <a:r>
+              <a:rPr lang="ko-KR" altLang="en-US" sz="1200" dirty="0">
+                <a:solidFill>
+                  <a:schemeClr val="tx1">
+                    <a:lumMod val="50000"/>
+                    <a:lumOff val="50000"/>
+                  </a:schemeClr>
+                </a:solidFill>
+                <a:latin typeface="맑은 고딕" panose="020B0503020000020004" pitchFamily="50" charset="-127"/>
+                <a:ea typeface="맑은 고딕" panose="020B0503020000020004" pitchFamily="50" charset="-127"/>
+              </a:rPr>
+              <a:t>개로 변경 가능</a:t>
+            </a:r>
+            <a:endParaRPr lang="en-US" altLang="ko-KR" sz="1200" dirty="0">
+              <a:solidFill>
+                <a:schemeClr val="tx1">
+                  <a:lumMod val="50000"/>
+                  <a:lumOff val="50000"/>
+                </a:schemeClr>
+              </a:solidFill>
+              <a:latin typeface="맑은 고딕" panose="020B0503020000020004" pitchFamily="50" charset="-127"/>
+              <a:ea typeface="맑은 고딕" panose="020B0503020000020004" pitchFamily="50" charset="-127"/>
+            </a:endParaRPr>
+          </a:p>
+          <a:p>
+            <a:r>
+              <a:rPr lang="en-US" altLang="ko-KR" sz="1200" dirty="0">
+                <a:solidFill>
+                  <a:schemeClr val="tx1">
+                    <a:lumMod val="50000"/>
+                    <a:lumOff val="50000"/>
+                  </a:schemeClr>
+                </a:solidFill>
+                <a:latin typeface="맑은 고딕" panose="020B0503020000020004" pitchFamily="50" charset="-127"/>
+                <a:ea typeface="맑은 고딕" panose="020B0503020000020004" pitchFamily="50" charset="-127"/>
+              </a:rPr>
+              <a:t>LGWR: REDO </a:t>
+            </a:r>
+            <a:r>
+              <a:rPr lang="ko-KR" altLang="en-US" sz="1200" dirty="0">
+                <a:solidFill>
+                  <a:schemeClr val="tx1">
+                    <a:lumMod val="50000"/>
+                    <a:lumOff val="50000"/>
+                  </a:schemeClr>
+                </a:solidFill>
+                <a:latin typeface="맑은 고딕" panose="020B0503020000020004" pitchFamily="50" charset="-127"/>
+                <a:ea typeface="맑은 고딕" panose="020B0503020000020004" pitchFamily="50" charset="-127"/>
+              </a:rPr>
+              <a:t>로그 버퍼의 내용을 파일로 출력</a:t>
+            </a:r>
+            <a:endParaRPr lang="en-US" altLang="ko-KR" sz="1200" dirty="0">
+              <a:solidFill>
+                <a:schemeClr val="tx1">
+                  <a:lumMod val="50000"/>
+                  <a:lumOff val="50000"/>
+                </a:schemeClr>
+              </a:solidFill>
+              <a:latin typeface="맑은 고딕" panose="020B0503020000020004" pitchFamily="50" charset="-127"/>
+              <a:ea typeface="맑은 고딕" panose="020B0503020000020004" pitchFamily="50" charset="-127"/>
+            </a:endParaRPr>
+          </a:p>
+          <a:p>
+            <a:r>
+              <a:rPr lang="en-US" altLang="ko-KR" sz="1200" dirty="0" err="1">
+                <a:solidFill>
+                  <a:schemeClr val="tx1">
+                    <a:lumMod val="50000"/>
+                    <a:lumOff val="50000"/>
+                  </a:schemeClr>
+                </a:solidFill>
+                <a:latin typeface="맑은 고딕" panose="020B0503020000020004" pitchFamily="50" charset="-127"/>
+                <a:ea typeface="맑은 고딕" panose="020B0503020000020004" pitchFamily="50" charset="-127"/>
+              </a:rPr>
+              <a:t>ARCn</a:t>
+            </a:r>
+            <a:r>
+              <a:rPr lang="en-US" altLang="ko-KR" sz="1200" dirty="0">
+                <a:solidFill>
+                  <a:schemeClr val="tx1">
+                    <a:lumMod val="50000"/>
+                    <a:lumOff val="50000"/>
+                  </a:schemeClr>
+                </a:solidFill>
+                <a:latin typeface="맑은 고딕" panose="020B0503020000020004" pitchFamily="50" charset="-127"/>
+                <a:ea typeface="맑은 고딕" panose="020B0503020000020004" pitchFamily="50" charset="-127"/>
+              </a:rPr>
+              <a:t>: </a:t>
+            </a:r>
+            <a:r>
+              <a:rPr lang="ko-KR" altLang="en-US" sz="1200" dirty="0" err="1">
+                <a:solidFill>
+                  <a:schemeClr val="tx1">
+                    <a:lumMod val="50000"/>
+                    <a:lumOff val="50000"/>
+                  </a:schemeClr>
+                </a:solidFill>
+                <a:latin typeface="맑은 고딕" panose="020B0503020000020004" pitchFamily="50" charset="-127"/>
+                <a:ea typeface="맑은 고딕" panose="020B0503020000020004" pitchFamily="50" charset="-127"/>
+              </a:rPr>
+              <a:t>아카이브로그</a:t>
+            </a:r>
+            <a:r>
+              <a:rPr lang="ko-KR" altLang="en-US" sz="1200" dirty="0">
+                <a:solidFill>
+                  <a:schemeClr val="tx1">
+                    <a:lumMod val="50000"/>
+                    <a:lumOff val="50000"/>
+                  </a:schemeClr>
+                </a:solidFill>
+                <a:latin typeface="맑은 고딕" panose="020B0503020000020004" pitchFamily="50" charset="-127"/>
+                <a:ea typeface="맑은 고딕" panose="020B0503020000020004" pitchFamily="50" charset="-127"/>
+              </a:rPr>
+              <a:t> 모드일 때</a:t>
+            </a:r>
+            <a:r>
+              <a:rPr lang="en-US" altLang="ko-KR" sz="1200" dirty="0">
+                <a:solidFill>
+                  <a:schemeClr val="tx1">
+                    <a:lumMod val="50000"/>
+                    <a:lumOff val="50000"/>
+                  </a:schemeClr>
+                </a:solidFill>
+                <a:latin typeface="맑은 고딕" panose="020B0503020000020004" pitchFamily="50" charset="-127"/>
+                <a:ea typeface="맑은 고딕" panose="020B0503020000020004" pitchFamily="50" charset="-127"/>
+              </a:rPr>
+              <a:t>,</a:t>
+            </a:r>
+            <a:r>
+              <a:rPr lang="ko-KR" altLang="en-US" sz="1200" dirty="0">
+                <a:solidFill>
+                  <a:schemeClr val="tx1">
+                    <a:lumMod val="50000"/>
+                    <a:lumOff val="50000"/>
+                  </a:schemeClr>
+                </a:solidFill>
+                <a:latin typeface="맑은 고딕" panose="020B0503020000020004" pitchFamily="50" charset="-127"/>
+                <a:ea typeface="맑은 고딕" panose="020B0503020000020004" pitchFamily="50" charset="-127"/>
+              </a:rPr>
+              <a:t> 로그 스위치 </a:t>
+            </a:r>
+            <a:r>
+              <a:rPr lang="ko-KR" altLang="en-US" sz="1200" dirty="0" err="1">
+                <a:solidFill>
+                  <a:schemeClr val="tx1">
+                    <a:lumMod val="50000"/>
+                    <a:lumOff val="50000"/>
+                  </a:schemeClr>
+                </a:solidFill>
+                <a:latin typeface="맑은 고딕" panose="020B0503020000020004" pitchFamily="50" charset="-127"/>
+                <a:ea typeface="맑은 고딕" panose="020B0503020000020004" pitchFamily="50" charset="-127"/>
+              </a:rPr>
+              <a:t>작업시</a:t>
+            </a:r>
+            <a:r>
+              <a:rPr lang="ko-KR" altLang="en-US" sz="1200" dirty="0">
+                <a:solidFill>
+                  <a:schemeClr val="tx1">
+                    <a:lumMod val="50000"/>
+                    <a:lumOff val="50000"/>
+                  </a:schemeClr>
+                </a:solidFill>
+                <a:latin typeface="맑은 고딕" panose="020B0503020000020004" pitchFamily="50" charset="-127"/>
+                <a:ea typeface="맑은 고딕" panose="020B0503020000020004" pitchFamily="50" charset="-127"/>
+              </a:rPr>
+              <a:t> 아카이브 </a:t>
+            </a:r>
+            <a:r>
+              <a:rPr lang="en-US" altLang="ko-KR" sz="1200" dirty="0">
+                <a:solidFill>
+                  <a:schemeClr val="tx1">
+                    <a:lumMod val="50000"/>
+                    <a:lumOff val="50000"/>
+                  </a:schemeClr>
+                </a:solidFill>
+                <a:latin typeface="맑은 고딕" panose="020B0503020000020004" pitchFamily="50" charset="-127"/>
+                <a:ea typeface="맑은 고딕" panose="020B0503020000020004" pitchFamily="50" charset="-127"/>
+              </a:rPr>
+              <a:t>redo </a:t>
+            </a:r>
+            <a:r>
+              <a:rPr lang="ko-KR" altLang="en-US" sz="1200" dirty="0">
+                <a:solidFill>
+                  <a:schemeClr val="tx1">
+                    <a:lumMod val="50000"/>
+                    <a:lumOff val="50000"/>
+                  </a:schemeClr>
+                </a:solidFill>
+                <a:latin typeface="맑은 고딕" panose="020B0503020000020004" pitchFamily="50" charset="-127"/>
+                <a:ea typeface="맑은 고딕" panose="020B0503020000020004" pitchFamily="50" charset="-127"/>
+              </a:rPr>
+              <a:t>로그 파일 작성 </a:t>
+            </a:r>
+            <a:endParaRPr lang="en-US" altLang="ko-KR" sz="1200" dirty="0">
+              <a:solidFill>
+                <a:schemeClr val="tx1">
+                  <a:lumMod val="50000"/>
+                  <a:lumOff val="50000"/>
+                </a:schemeClr>
+              </a:solidFill>
+              <a:latin typeface="맑은 고딕" panose="020B0503020000020004" pitchFamily="50" charset="-127"/>
+              <a:ea typeface="맑은 고딕" panose="020B0503020000020004" pitchFamily="50" charset="-127"/>
+            </a:endParaRPr>
+          </a:p>
+          <a:p>
+            <a:r>
+              <a:rPr lang="en-US" altLang="ko-KR" sz="1200" dirty="0">
+                <a:solidFill>
+                  <a:schemeClr val="tx1">
+                    <a:lumMod val="50000"/>
+                    <a:lumOff val="50000"/>
+                  </a:schemeClr>
+                </a:solidFill>
+                <a:latin typeface="맑은 고딕" panose="020B0503020000020004" pitchFamily="50" charset="-127"/>
+                <a:ea typeface="맑은 고딕" panose="020B0503020000020004" pitchFamily="50" charset="-127"/>
+              </a:rPr>
+              <a:t>RECO: </a:t>
+            </a:r>
+            <a:r>
+              <a:rPr lang="ko-KR" altLang="en-US" sz="1200" dirty="0">
+                <a:solidFill>
+                  <a:schemeClr val="tx1">
+                    <a:lumMod val="50000"/>
+                    <a:lumOff val="50000"/>
+                  </a:schemeClr>
+                </a:solidFill>
+                <a:latin typeface="맑은 고딕" panose="020B0503020000020004" pitchFamily="50" charset="-127"/>
+                <a:ea typeface="맑은 고딕" panose="020B0503020000020004" pitchFamily="50" charset="-127"/>
+              </a:rPr>
+              <a:t>리커버리</a:t>
+            </a:r>
+            <a:r>
+              <a:rPr lang="en-US" altLang="ko-KR" sz="1200" dirty="0">
+                <a:solidFill>
+                  <a:schemeClr val="tx1">
+                    <a:lumMod val="50000"/>
+                    <a:lumOff val="50000"/>
+                  </a:schemeClr>
+                </a:solidFill>
+                <a:latin typeface="맑은 고딕" panose="020B0503020000020004" pitchFamily="50" charset="-127"/>
+                <a:ea typeface="맑은 고딕" panose="020B0503020000020004" pitchFamily="50" charset="-127"/>
+              </a:rPr>
+              <a:t>, </a:t>
+            </a:r>
+            <a:r>
+              <a:rPr lang="ko-KR" altLang="en-US" sz="1200" dirty="0">
+                <a:solidFill>
+                  <a:schemeClr val="tx1">
+                    <a:lumMod val="50000"/>
+                    <a:lumOff val="50000"/>
+                  </a:schemeClr>
+                </a:solidFill>
+                <a:latin typeface="맑은 고딕" panose="020B0503020000020004" pitchFamily="50" charset="-127"/>
+                <a:ea typeface="맑은 고딕" panose="020B0503020000020004" pitchFamily="50" charset="-127"/>
+              </a:rPr>
+              <a:t>분산 데이터베이스 구성시에 이용됨</a:t>
+            </a:r>
+            <a:r>
+              <a:rPr lang="en-US" altLang="ko-KR" sz="1200" dirty="0">
+                <a:solidFill>
+                  <a:schemeClr val="tx1">
+                    <a:lumMod val="50000"/>
+                    <a:lumOff val="50000"/>
+                  </a:schemeClr>
+                </a:solidFill>
+                <a:latin typeface="맑은 고딕" panose="020B0503020000020004" pitchFamily="50" charset="-127"/>
+                <a:ea typeface="맑은 고딕" panose="020B0503020000020004" pitchFamily="50" charset="-127"/>
+              </a:rPr>
+              <a:t>, </a:t>
+            </a:r>
+            <a:r>
+              <a:rPr lang="ko-KR" altLang="en-US" sz="1200" dirty="0">
+                <a:solidFill>
+                  <a:schemeClr val="tx1">
+                    <a:lumMod val="50000"/>
+                    <a:lumOff val="50000"/>
+                  </a:schemeClr>
+                </a:solidFill>
+                <a:latin typeface="맑은 고딕" panose="020B0503020000020004" pitchFamily="50" charset="-127"/>
+                <a:ea typeface="맑은 고딕" panose="020B0503020000020004" pitchFamily="50" charset="-127"/>
+              </a:rPr>
+              <a:t>분산 </a:t>
+            </a:r>
+            <a:r>
+              <a:rPr lang="ko-KR" altLang="en-US" sz="1200">
+                <a:solidFill>
+                  <a:schemeClr val="tx1">
+                    <a:lumMod val="50000"/>
+                    <a:lumOff val="50000"/>
+                  </a:schemeClr>
+                </a:solidFill>
+                <a:latin typeface="맑은 고딕" panose="020B0503020000020004" pitchFamily="50" charset="-127"/>
+                <a:ea typeface="맑은 고딕" panose="020B0503020000020004" pitchFamily="50" charset="-127"/>
+              </a:rPr>
+              <a:t>트랜잭션 관련 장애를 해결</a:t>
+            </a:r>
+            <a:endParaRPr lang="en-US" altLang="ko-KR" sz="1200" dirty="0">
+              <a:solidFill>
+                <a:schemeClr val="tx1">
+                  <a:lumMod val="50000"/>
+                  <a:lumOff val="50000"/>
+                </a:schemeClr>
+              </a:solidFill>
+              <a:latin typeface="맑은 고딕" panose="020B0503020000020004" pitchFamily="50" charset="-127"/>
+              <a:ea typeface="맑은 고딕" panose="020B0503020000020004" pitchFamily="50" charset="-127"/>
+            </a:endParaRPr>
+          </a:p>
+          <a:p>
+            <a:endParaRPr lang="en-US" altLang="ko-KR" noProof="0" dirty="0"/>
           </a:p>
         </p:txBody>
       </p:sp>
@@ -22489,7 +23513,7 @@
                 <a:latin typeface="맑은 고딕" panose="020B0503020000020004" pitchFamily="50" charset="-127"/>
                 <a:ea typeface="맑은 고딕" panose="020B0503020000020004" pitchFamily="50" charset="-127"/>
               </a:rPr>
-              <a:t>/ </a:t>
+              <a:t>/ REDO </a:t>
             </a:r>
             <a:r>
               <a:rPr lang="ko-KR" altLang="en-US" sz="1600" dirty="0">
@@ -22502,8 +23526,21 @@
                 <a:latin typeface="맑은 고딕" panose="020B0503020000020004" pitchFamily="50" charset="-127"/>
                 <a:ea typeface="맑은 고딕" panose="020B0503020000020004" pitchFamily="50" charset="-127"/>
               </a:rPr>
-              <a:t>로그 버퍼 </a:t>
-            </a:r>
+              <a:t>로그 버퍼</a:t>
+            </a:r>
+            <a:endParaRPr lang="en-US" altLang="ko-KR" sz="1600" dirty="0">
+              <a:solidFill>
+                <a:schemeClr val="tx1">
+                  <a:lumMod val="50000"/>
+                  <a:lumOff val="50000"/>
+                </a:schemeClr>
+              </a:solidFill>
+              <a:latin typeface="맑은 고딕" panose="020B0503020000020004" pitchFamily="50" charset="-127"/>
+              <a:ea typeface="맑은 고딕" panose="020B0503020000020004" pitchFamily="50" charset="-127"/>
+            </a:endParaRPr>
+          </a:p>
+          <a:p>
+            <a:pPr algn="ctr"/>
             <a:r>
               <a:rPr lang="en-US" altLang="ko-KR" sz="1600" dirty="0">
                 <a:solidFill>
@@ -22515,7 +23552,7 @@
                 <a:latin typeface="맑은 고딕" panose="020B0503020000020004" pitchFamily="50" charset="-127"/>
                 <a:ea typeface="맑은 고딕" panose="020B0503020000020004" pitchFamily="50" charset="-127"/>
               </a:rPr>
-              <a:t>/ Large</a:t>
+              <a:t>Large</a:t>
             </a:r>
             <a:r>
               <a:rPr lang="ko-KR" altLang="en-US" sz="1600" dirty="0">
@@ -22541,23 +23578,7 @@
                 <a:latin typeface="맑은 고딕" panose="020B0503020000020004" pitchFamily="50" charset="-127"/>
                 <a:ea typeface="맑은 고딕" panose="020B0503020000020004" pitchFamily="50" charset="-127"/>
               </a:rPr>
-              <a:t>Pool</a:t>
-            </a:r>
-          </a:p>
-          <a:p>
-            <a:pPr algn="ctr"/>
-            <a:r>
-              <a:rPr lang="en-US" altLang="ko-KR" sz="1600" dirty="0">
-                <a:solidFill>
-                  <a:schemeClr val="tx1">
-                    <a:lumMod val="50000"/>
-                    <a:lumOff val="50000"/>
-                  </a:schemeClr>
-                </a:solidFill>
-                <a:latin typeface="맑은 고딕" panose="020B0503020000020004" pitchFamily="50" charset="-127"/>
-                <a:ea typeface="맑은 고딕" panose="020B0503020000020004" pitchFamily="50" charset="-127"/>
-              </a:rPr>
-              <a:t>Java</a:t>
+              <a:t>Pool / Java</a:t>
             </a:r>
             <a:r>
               <a:rPr lang="ko-KR" altLang="en-US" sz="1600" dirty="0">
@@ -22745,7 +23766,7 @@
                 <a:latin typeface="맑은 고딕" panose="020B0503020000020004" pitchFamily="50" charset="-127"/>
                 <a:ea typeface="맑은 고딕" panose="020B0503020000020004" pitchFamily="50" charset="-127"/>
               </a:rPr>
-              <a:t> / MMON / RECO / …</a:t>
+              <a:t> / RECO / …</a:t>
             </a:r>
             <a:endParaRPr lang="ko-KR" altLang="en-US" sz="1600" dirty="0">
               <a:solidFill>
@@ -27832,6 +28853,15 @@
 </file>
 
 <file path=customXml/item1.xml><?xml version="1.0" encoding="utf-8"?>
+<?mso-contentType ?>
+<FormTemplates xmlns="http://schemas.microsoft.com/sharepoint/v3/contenttype/forms">
+  <Display>DocumentLibraryForm</Display>
+  <Edit>DocumentLibraryForm</Edit>
+  <New>DocumentLibraryForm</New>
+</FormTemplates>
+</file>
+
+<file path=customXml/item2.xml><?xml version="1.0" encoding="utf-8"?>
 <ct:contentTypeSchema xmlns:ct="http://schemas.microsoft.com/office/2006/metadata/contentType" xmlns:ma="http://schemas.microsoft.com/office/2006/metadata/properties/metaAttributes" ct:_="" ma:_="" ma:contentTypeName="Document" ma:contentTypeID="0x01010079F111ED35F8CC479449609E8A0923A6" ma:contentTypeVersion="20" ma:contentTypeDescription="Create a new document." ma:contentTypeScope="" ma:versionID="1267097ee5f5874adfcc408041ae252e">
   <xsd:schema xmlns:xsd="http://www.w3.org/2001/XMLSchema" xmlns:xs="http://www.w3.org/2001/XMLSchema" xmlns:p="http://schemas.microsoft.com/office/2006/metadata/properties" xmlns:ns1="http://schemas.microsoft.com/sharepoint/v3" xmlns:ns2="71af3243-3dd4-4a8d-8c0d-dd76da1f02a5" xmlns:ns3="16c05727-aa75-4e4a-9b5f-8a80a1165891" xmlns:ns4="230e9df3-be65-4c73-a93b-d1236ebd677e" targetNamespace="http://schemas.microsoft.com/office/2006/metadata/properties" ma:root="true" ma:fieldsID="395891a93df65b14727750f2c06c306c" ns1:_="" ns2:_="" ns3:_="" ns4:_="">
     <xsd:import namespace="http://schemas.microsoft.com/sharepoint/v3"/>
@@ -28107,15 +29137,6 @@
 </ct:contentTypeSchema>
 </file>
 
-<file path=customXml/item2.xml><?xml version="1.0" encoding="utf-8"?>
-<?mso-contentType ?>
-<FormTemplates xmlns="http://schemas.microsoft.com/sharepoint/v3/contenttype/forms">
-  <Display>DocumentLibraryForm</Display>
-  <Edit>DocumentLibraryForm</Edit>
-  <New>DocumentLibraryForm</New>
-</FormTemplates>
-</file>
-
 <file path=customXml/item3.xml><?xml version="1.0" encoding="utf-8"?>
 <p:properties xmlns:p="http://schemas.microsoft.com/office/2006/metadata/properties" xmlns:xsi="http://www.w3.org/2001/XMLSchema-instance" xmlns:pc="http://schemas.microsoft.com/office/infopath/2007/PartnerControls">
   <documentManagement>
@@ -28136,6 +29157,14 @@
 </file>
 
 <file path=customXml/itemProps1.xml><?xml version="1.0" encoding="utf-8"?>
+<ds:datastoreItem xmlns:ds="http://schemas.openxmlformats.org/officeDocument/2006/customXml" ds:itemID="{42BC90D6-94CF-42F7-AAC4-9CF6824C54D5}">
+  <ds:schemaRefs>
+    <ds:schemaRef ds:uri="http://schemas.microsoft.com/sharepoint/v3/contenttype/forms"/>
+  </ds:schemaRefs>
+</ds:datastoreItem>
+</file>
+
+<file path=customXml/itemProps2.xml><?xml version="1.0" encoding="utf-8"?>
 <ds:datastoreItem xmlns:ds="http://schemas.openxmlformats.org/officeDocument/2006/customXml" ds:itemID="{64CF2EF3-001F-4BE9-81B3-86ECBBF9425F}">
   <ds:schemaRefs>
     <ds:schemaRef ds:uri="http://schemas.microsoft.com/office/2006/metadata/contentType"/>
@@ -28152,14 +29181,6 @@
     <ds:schemaRef ds:uri="http://purl.org/dc/elements/1.1/"/>
     <ds:schemaRef ds:uri="http://purl.org/dc/terms/"/>
     <ds:schemaRef ds:uri="http://schemas.microsoft.com/internal/obd"/>
-  </ds:schemaRefs>
-</ds:datastoreItem>
-</file>
-
-<file path=customXml/itemProps2.xml><?xml version="1.0" encoding="utf-8"?>
-<ds:datastoreItem xmlns:ds="http://schemas.openxmlformats.org/officeDocument/2006/customXml" ds:itemID="{42BC90D6-94CF-42F7-AAC4-9CF6824C54D5}">
-  <ds:schemaRefs>
-    <ds:schemaRef ds:uri="http://schemas.microsoft.com/sharepoint/v3/contenttype/forms"/>
   </ds:schemaRefs>
 </ds:datastoreItem>
 </file>
